--- a/modling /ppt/第9.1讲--数据降维析及PCR.pptx
+++ b/modling /ppt/第9.1讲--数据降维析及PCR.pptx
@@ -307,7 +307,7 @@
               <a:pPr>
                 <a:defRPr/>
               </a:pPr>
-              <a:t>2020/4/29</a:t>
+              <a:t>2020/5/25</a:t>
             </a:fld>
             <a:endParaRPr lang="zh-CN" altLang="en-US"/>
           </a:p>
@@ -508,7 +508,7 @@
               <a:pPr>
                 <a:defRPr/>
               </a:pPr>
-              <a:t>2020/4/29</a:t>
+              <a:t>2020/5/25</a:t>
             </a:fld>
             <a:endParaRPr lang="zh-CN" altLang="en-US"/>
           </a:p>
@@ -957,6 +957,11 @@
         </p:txBody>
       </p:sp>
     </p:spTree>
+    <p:extLst>
+      <p:ext uri="{BB962C8B-B14F-4D97-AF65-F5344CB8AC3E}">
+        <p14:creationId xmlns:p14="http://schemas.microsoft.com/office/powerpoint/2010/main" val="593188765"/>
+      </p:ext>
+    </p:extLst>
   </p:cSld>
   <p:clrMapOvr>
     <a:masterClrMapping/>
@@ -7978,15 +7983,7 @@
                   <a:srgbClr val="FF0000"/>
                 </a:solidFill>
               </a:rPr>
-              <a:t>很</a:t>
-            </a:r>
-            <a:r>
-              <a:rPr lang="zh-CN" altLang="en-US" sz="2800" b="1" smtClean="0">
-                <a:solidFill>
-                  <a:srgbClr val="FF0000"/>
-                </a:solidFill>
-              </a:rPr>
-              <a:t>重要</a:t>
+              <a:t>很重要</a:t>
             </a:r>
             <a:endParaRPr lang="en-US" altLang="zh-CN" sz="2800" b="1" smtClean="0">
               <a:solidFill>
@@ -8180,19 +8177,7 @@
               <a:rPr lang="zh-CN" altLang="en-US" sz="2800" b="1" smtClean="0">
                 <a:latin typeface="宋体" panose="02010600030101010101" pitchFamily="2" charset="-122"/>
               </a:rPr>
-              <a:t>如果</a:t>
-            </a:r>
-            <a:r>
-              <a:rPr lang="zh-CN" altLang="en-US" sz="2800" b="1" smtClean="0">
-                <a:latin typeface="宋体" panose="02010600030101010101" pitchFamily="2" charset="-122"/>
-              </a:rPr>
-              <a:t>变量间相关</a:t>
-            </a:r>
-            <a:r>
-              <a:rPr lang="zh-CN" altLang="en-US" sz="2800" b="1" smtClean="0">
-                <a:latin typeface="宋体" panose="02010600030101010101" pitchFamily="2" charset="-122"/>
-              </a:rPr>
-              <a:t>， </a:t>
+              <a:t>如果变量间相关， </a:t>
             </a:r>
             <a:r>
               <a:rPr lang="zh-CN" altLang="en-US" sz="2800" b="1" smtClean="0">
@@ -8235,13 +8220,7 @@
               <a:rPr lang="zh-CN" altLang="en-US" sz="2800" b="1">
                 <a:latin typeface="宋体" panose="02010600030101010101" pitchFamily="2" charset="-122"/>
               </a:rPr>
-              <a:t>，变量</a:t>
-            </a:r>
-            <a:r>
-              <a:rPr lang="zh-CN" altLang="en-US" sz="2800" b="1">
-                <a:latin typeface="宋体" panose="02010600030101010101" pitchFamily="2" charset="-122"/>
-              </a:rPr>
-              <a:t>少</a:t>
+              <a:t>，变量少</a:t>
             </a:r>
             <a:r>
               <a:rPr lang="zh-CN" altLang="en-US" sz="2800" b="1" smtClean="0">
@@ -24086,15 +24065,15 @@
               <a:buChar char="n"/>
             </a:pPr>
             <a:r>
-              <a:rPr lang="zh-CN" altLang="en-US"/>
+              <a:rPr lang="zh-CN" altLang="en-US" dirty="0"/>
               <a:t>一</a:t>
             </a:r>
             <a:r>
-              <a:rPr lang="zh-CN" altLang="en-US" smtClean="0"/>
+              <a:rPr lang="zh-CN" altLang="en-US" dirty="0" smtClean="0"/>
               <a:t>个主成分：</a:t>
             </a:r>
             <a:r>
-              <a:rPr lang="en-US" altLang="zh-CN" smtClean="0"/>
+              <a:rPr lang="en-US" altLang="zh-CN" dirty="0" smtClean="0"/>
               <a:t>T</a:t>
             </a:r>
             <a:r>
@@ -29561,20 +29540,10 @@
                 <a:latin typeface="宋体" panose="02010600030101010101" pitchFamily="2" charset="-122"/>
                 <a:ea typeface="宋体" panose="02010600030101010101" pitchFamily="2" charset="-122"/>
               </a:rPr>
-              <a:t>的</a:t>
-            </a:r>
-            <a:r>
-              <a:rPr lang="zh-CN" altLang="en-US" sz="2800" b="1">
-                <a:solidFill>
-                  <a:schemeClr val="tx1"/>
-                </a:solidFill>
-                <a:latin typeface="宋体" panose="02010600030101010101" pitchFamily="2" charset="-122"/>
-                <a:ea typeface="宋体" panose="02010600030101010101" pitchFamily="2" charset="-122"/>
-              </a:rPr>
-              <a:t>线性组合</a:t>
-            </a:r>
-            <a:r>
-              <a:rPr lang="zh-CN" altLang="en-US" sz="2800" b="1" smtClean="0">
+              <a:t>的线性组合</a:t>
+            </a:r>
+            <a:r>
+              <a:rPr lang="zh-CN" altLang="en-US" sz="2800" b="1" dirty="0" smtClean="0">
                 <a:solidFill>
                   <a:schemeClr val="tx1"/>
                 </a:solidFill>
@@ -29584,13 +29553,13 @@
               <a:t>，</a:t>
             </a:r>
             <a:r>
-              <a:rPr lang="zh-CN" altLang="en-US" sz="2800" b="1">
+              <a:rPr lang="zh-CN" altLang="en-US" sz="2800" b="1" dirty="0">
                 <a:latin typeface="宋体" panose="02010600030101010101" pitchFamily="2" charset="-122"/>
               </a:rPr>
               <a:t>去除</a:t>
             </a:r>
             <a:r>
-              <a:rPr lang="zh-CN" altLang="en-US" sz="2800" b="1" smtClean="0">
+              <a:rPr lang="zh-CN" altLang="en-US" sz="2800" b="1" dirty="0" smtClean="0">
                 <a:solidFill>
                   <a:schemeClr val="tx1"/>
                 </a:solidFill>
@@ -37353,15 +37322,7 @@
                   <a:srgbClr val="FF0000"/>
                 </a:solidFill>
               </a:rPr>
-              <a:t>.</a:t>
-            </a:r>
-            <a:r>
-              <a:rPr lang="en-US" altLang="zh-CN" sz="2400" smtClean="0">
-                <a:solidFill>
-                  <a:srgbClr val="FF0000"/>
-                </a:solidFill>
-              </a:rPr>
-              <a:t>txt </a:t>
+              <a:t>.txt </a:t>
             </a:r>
             <a:r>
               <a:rPr lang="zh-CN" altLang="en-US" sz="2400" smtClean="0"/>
